--- a/print/precal2_8_02.pptx
+++ b/print/precal2_8_02.pptx
@@ -6405,138 +6405,6 @@
                       </p:childTnLst>
                     </p:cTn>
                   </p:par>
-                  <p:par>
-                    <p:cTn id="7" fill="hold">
-                      <p:stCondLst>
-                        <p:cond delay="indefinite"/>
-                      </p:stCondLst>
-                      <p:childTnLst>
-                        <p:par>
-                          <p:cTn id="8" fill="hold">
-                            <p:stCondLst>
-                              <p:cond delay="0"/>
-                            </p:stCondLst>
-                            <p:childTnLst>
-                              <p:par>
-                                <p:cTn id="9" presetClass="entr" nodeType="clickEffect" presetSubtype="0" presetID="1" grpId="2" fill="hold">
-                                  <p:stCondLst>
-                                    <p:cond delay="0"/>
-                                  </p:stCondLst>
-                                  <p:iterate type="el" backwards="0">
-                                    <p:tmAbs val="0"/>
-                                  </p:iterate>
-                                  <p:childTnLst>
-                                    <p:set>
-                                      <p:cBhvr>
-                                        <p:cTn id="10" fill="hold"/>
-                                        <p:tgtEl>
-                                          <p:spTgt spid="191"/>
-                                        </p:tgtEl>
-                                        <p:attrNameLst>
-                                          <p:attrName>style.visibility</p:attrName>
-                                        </p:attrNameLst>
-                                      </p:cBhvr>
-                                      <p:to>
-                                        <p:strVal val="visible"/>
-                                      </p:to>
-                                    </p:set>
-                                  </p:childTnLst>
-                                </p:cTn>
-                              </p:par>
-                            </p:childTnLst>
-                          </p:cTn>
-                        </p:par>
-                      </p:childTnLst>
-                    </p:cTn>
-                  </p:par>
-                  <p:par>
-                    <p:cTn id="11" fill="hold">
-                      <p:stCondLst>
-                        <p:cond delay="indefinite"/>
-                      </p:stCondLst>
-                      <p:childTnLst>
-                        <p:par>
-                          <p:cTn id="12" fill="hold">
-                            <p:stCondLst>
-                              <p:cond delay="0"/>
-                            </p:stCondLst>
-                            <p:childTnLst>
-                              <p:par>
-                                <p:cTn id="13" presetClass="entr" nodeType="clickEffect" presetSubtype="0" presetID="1" grpId="3" fill="hold">
-                                  <p:stCondLst>
-                                    <p:cond delay="0"/>
-                                  </p:stCondLst>
-                                  <p:iterate type="el" backwards="0">
-                                    <p:tmAbs val="0"/>
-                                  </p:iterate>
-                                  <p:childTnLst>
-                                    <p:set>
-                                      <p:cBhvr>
-                                        <p:cTn id="14" fill="hold"/>
-                                        <p:tgtEl>
-                                          <p:spTgt spid="192"/>
-                                        </p:tgtEl>
-                                        <p:attrNameLst>
-                                          <p:attrName>style.visibility</p:attrName>
-                                        </p:attrNameLst>
-                                      </p:cBhvr>
-                                      <p:to>
-                                        <p:strVal val="visible"/>
-                                      </p:to>
-                                    </p:set>
-                                  </p:childTnLst>
-                                </p:cTn>
-                              </p:par>
-                            </p:childTnLst>
-                          </p:cTn>
-                        </p:par>
-                      </p:childTnLst>
-                    </p:cTn>
-                  </p:par>
-                  <p:par>
-                    <p:cTn id="15" fill="hold">
-                      <p:stCondLst>
-                        <p:cond delay="indefinite"/>
-                      </p:stCondLst>
-                      <p:childTnLst>
-                        <p:par>
-                          <p:cTn id="16" fill="hold">
-                            <p:stCondLst>
-                              <p:cond delay="0"/>
-                            </p:stCondLst>
-                            <p:childTnLst>
-                              <p:par>
-                                <p:cTn id="17" presetClass="entr" nodeType="clickEffect" presetSubtype="0" presetID="1" grpId="4" fill="hold">
-                                  <p:stCondLst>
-                                    <p:cond delay="0"/>
-                                  </p:stCondLst>
-                                  <p:iterate type="el" backwards="0">
-                                    <p:tmAbs val="0"/>
-                                  </p:iterate>
-                                  <p:childTnLst>
-                                    <p:set>
-                                      <p:cBhvr>
-                                        <p:cTn id="18" fill="hold"/>
-                                        <p:tgtEl>
-                                          <p:spTgt spid="193"/>
-                                        </p:tgtEl>
-                                        <p:attrNameLst>
-                                          <p:attrName>style.visibility</p:attrName>
-                                        </p:attrNameLst>
-                                      </p:cBhvr>
-                                      <p:to>
-                                        <p:strVal val="visible"/>
-                                      </p:to>
-                                    </p:set>
-                                  </p:childTnLst>
-                                </p:cTn>
-                              </p:par>
-                            </p:childTnLst>
-                          </p:cTn>
-                        </p:par>
-                      </p:childTnLst>
-                    </p:cTn>
-                  </p:par>
                 </p:childTnLst>
               </p:cTn>
               <p:prevCondLst>
@@ -6560,9 +6428,6 @@
     </p:tnLst>
     <p:bldLst>
       <p:bldP build="whole" bldLvl="1" animBg="1" rev="0" advAuto="0" spid="190" grpId="1"/>
-      <p:bldP build="whole" bldLvl="1" animBg="1" rev="0" advAuto="0" spid="193" grpId="4"/>
-      <p:bldP build="whole" bldLvl="1" animBg="1" rev="0" advAuto="0" spid="191" grpId="2"/>
-      <p:bldP build="whole" bldLvl="1" animBg="1" rev="0" advAuto="0" spid="192" grpId="3"/>
     </p:bldLst>
   </p:timing>
 </p:sld>
@@ -10019,8 +9884,8 @@
       </p:par>
     </p:tnLst>
     <p:bldLst>
+      <p:bldP build="whole" bldLvl="1" animBg="1" rev="0" advAuto="0" spid="217" grpId="2"/>
       <p:bldP build="whole" bldLvl="1" animBg="1" rev="0" advAuto="0" spid="215" grpId="1"/>
-      <p:bldP build="whole" bldLvl="1" animBg="1" rev="0" advAuto="0" spid="217" grpId="2"/>
     </p:bldLst>
   </p:timing>
 </p:sld>
